--- a/CalendarioAgo2022/presentaciones/2_Jerarquia.pptx
+++ b/CalendarioAgo2022/presentaciones/2_Jerarquia.pptx
@@ -5,7 +5,7 @@
     <p:sldMasterId id="2147483648" r:id="rId1"/>
   </p:sldMasterIdLst>
   <p:notesMasterIdLst>
-    <p:notesMasterId r:id="rId20"/>
+    <p:notesMasterId r:id="rId21"/>
   </p:notesMasterIdLst>
   <p:sldIdLst>
     <p:sldId id="257" r:id="rId2"/>
@@ -25,7 +25,8 @@
     <p:sldId id="269" r:id="rId16"/>
     <p:sldId id="358" r:id="rId17"/>
     <p:sldId id="359" r:id="rId18"/>
-    <p:sldId id="282" r:id="rId19"/>
+    <p:sldId id="360" r:id="rId19"/>
+    <p:sldId id="282" r:id="rId20"/>
   </p:sldIdLst>
   <p:sldSz cx="9144000" cy="6858000" type="screen4x3"/>
   <p:notesSz cx="6858000" cy="9144000"/>
@@ -225,7 +226,7 @@
           <a:p>
             <a:fld id="{2D445F07-8756-451B-A938-0248325FC7BB}" type="datetimeFigureOut">
               <a:rPr lang="es-MX" smtClean="0"/>
-              <a:t>02/08/2022</a:t>
+              <a:t>07/08/2022</a:t>
             </a:fld>
             <a:endParaRPr lang="es-MX" dirty="0"/>
           </a:p>
@@ -1430,7 +1431,7 @@
           <a:p>
             <a:fld id="{5E75A0DC-66C6-4CEC-A5EB-F8C97CEC3796}" type="datetimeFigureOut">
               <a:rPr lang="es-MX" smtClean="0"/>
-              <a:t>02/08/2022</a:t>
+              <a:t>07/08/2022</a:t>
             </a:fld>
             <a:endParaRPr lang="es-MX" dirty="0"/>
           </a:p>
@@ -1600,7 +1601,7 @@
           <a:p>
             <a:fld id="{5E75A0DC-66C6-4CEC-A5EB-F8C97CEC3796}" type="datetimeFigureOut">
               <a:rPr lang="es-MX" smtClean="0"/>
-              <a:t>02/08/2022</a:t>
+              <a:t>07/08/2022</a:t>
             </a:fld>
             <a:endParaRPr lang="es-MX" dirty="0"/>
           </a:p>
@@ -1780,7 +1781,7 @@
           <a:p>
             <a:fld id="{5E75A0DC-66C6-4CEC-A5EB-F8C97CEC3796}" type="datetimeFigureOut">
               <a:rPr lang="es-MX" smtClean="0"/>
-              <a:t>02/08/2022</a:t>
+              <a:t>07/08/2022</a:t>
             </a:fld>
             <a:endParaRPr lang="es-MX" dirty="0"/>
           </a:p>
@@ -1933,7 +1934,7 @@
           <a:p>
             <a:fld id="{1D8BD707-D9CF-40AE-B4C6-C98DA3205C09}" type="datetimeFigureOut">
               <a:rPr lang="en-US" smtClean="0"/>
-              <a:t>8/2/2022</a:t>
+              <a:t>8/7/2022</a:t>
             </a:fld>
             <a:endParaRPr lang="en-US"/>
           </a:p>
@@ -2057,7 +2058,7 @@
           <a:p>
             <a:fld id="{1D8BD707-D9CF-40AE-B4C6-C98DA3205C09}" type="datetimeFigureOut">
               <a:rPr lang="en-US" smtClean="0"/>
-              <a:t>8/2/2022</a:t>
+              <a:t>8/7/2022</a:t>
             </a:fld>
             <a:endParaRPr lang="en-US" dirty="0"/>
           </a:p>
@@ -2217,7 +2218,7 @@
           <a:p>
             <a:fld id="{5E75A0DC-66C6-4CEC-A5EB-F8C97CEC3796}" type="datetimeFigureOut">
               <a:rPr lang="es-MX" smtClean="0"/>
-              <a:t>02/08/2022</a:t>
+              <a:t>07/08/2022</a:t>
             </a:fld>
             <a:endParaRPr lang="es-MX" dirty="0"/>
           </a:p>
@@ -2463,7 +2464,7 @@
           <a:p>
             <a:fld id="{5E75A0DC-66C6-4CEC-A5EB-F8C97CEC3796}" type="datetimeFigureOut">
               <a:rPr lang="es-MX" smtClean="0"/>
-              <a:t>02/08/2022</a:t>
+              <a:t>07/08/2022</a:t>
             </a:fld>
             <a:endParaRPr lang="es-MX" dirty="0"/>
           </a:p>
@@ -2751,7 +2752,7 @@
           <a:p>
             <a:fld id="{5E75A0DC-66C6-4CEC-A5EB-F8C97CEC3796}" type="datetimeFigureOut">
               <a:rPr lang="es-MX" smtClean="0"/>
-              <a:t>02/08/2022</a:t>
+              <a:t>07/08/2022</a:t>
             </a:fld>
             <a:endParaRPr lang="es-MX" dirty="0"/>
           </a:p>
@@ -3173,7 +3174,7 @@
           <a:p>
             <a:fld id="{5E75A0DC-66C6-4CEC-A5EB-F8C97CEC3796}" type="datetimeFigureOut">
               <a:rPr lang="es-MX" smtClean="0"/>
-              <a:t>02/08/2022</a:t>
+              <a:t>07/08/2022</a:t>
             </a:fld>
             <a:endParaRPr lang="es-MX" dirty="0"/>
           </a:p>
@@ -3291,7 +3292,7 @@
           <a:p>
             <a:fld id="{5E75A0DC-66C6-4CEC-A5EB-F8C97CEC3796}" type="datetimeFigureOut">
               <a:rPr lang="es-MX" smtClean="0"/>
-              <a:t>02/08/2022</a:t>
+              <a:t>07/08/2022</a:t>
             </a:fld>
             <a:endParaRPr lang="es-MX" dirty="0"/>
           </a:p>
@@ -3386,7 +3387,7 @@
           <a:p>
             <a:fld id="{5E75A0DC-66C6-4CEC-A5EB-F8C97CEC3796}" type="datetimeFigureOut">
               <a:rPr lang="es-MX" smtClean="0"/>
-              <a:t>02/08/2022</a:t>
+              <a:t>07/08/2022</a:t>
             </a:fld>
             <a:endParaRPr lang="es-MX" dirty="0"/>
           </a:p>
@@ -3663,7 +3664,7 @@
           <a:p>
             <a:fld id="{5E75A0DC-66C6-4CEC-A5EB-F8C97CEC3796}" type="datetimeFigureOut">
               <a:rPr lang="es-MX" smtClean="0"/>
-              <a:t>02/08/2022</a:t>
+              <a:t>07/08/2022</a:t>
             </a:fld>
             <a:endParaRPr lang="es-MX" dirty="0"/>
           </a:p>
@@ -3916,7 +3917,7 @@
           <a:p>
             <a:fld id="{5E75A0DC-66C6-4CEC-A5EB-F8C97CEC3796}" type="datetimeFigureOut">
               <a:rPr lang="es-MX" smtClean="0"/>
-              <a:t>02/08/2022</a:t>
+              <a:t>07/08/2022</a:t>
             </a:fld>
             <a:endParaRPr lang="es-MX" dirty="0"/>
           </a:p>
@@ -4129,7 +4130,7 @@
           <a:p>
             <a:fld id="{5E75A0DC-66C6-4CEC-A5EB-F8C97CEC3796}" type="datetimeFigureOut">
               <a:rPr lang="es-MX" smtClean="0"/>
-              <a:t>02/08/2022</a:t>
+              <a:t>07/08/2022</a:t>
             </a:fld>
             <a:endParaRPr lang="es-MX" dirty="0"/>
           </a:p>
@@ -4519,7 +4520,7 @@
         <p:spPr>
           <a:xfrm>
             <a:off x="683568" y="332656"/>
-            <a:ext cx="7630616" cy="1470025"/>
+            <a:ext cx="7776864" cy="1470025"/>
           </a:xfrm>
         </p:spPr>
         <p:txBody>
@@ -10282,6 +10283,257 @@
 </file>
 
 <file path=ppt/slides/slide18.xml><?xml version="1.0" encoding="utf-8"?>
+<p:sld xmlns:a="http://schemas.openxmlformats.org/drawingml/2006/main" xmlns:r="http://schemas.openxmlformats.org/officeDocument/2006/relationships" xmlns:p="http://schemas.openxmlformats.org/presentationml/2006/main">
+  <p:cSld>
+    <p:spTree>
+      <p:nvGrpSpPr>
+        <p:cNvPr id="1" name=""/>
+        <p:cNvGrpSpPr/>
+        <p:nvPr/>
+      </p:nvGrpSpPr>
+      <p:grpSpPr>
+        <a:xfrm>
+          <a:off x="0" y="0"/>
+          <a:ext cx="0" cy="0"/>
+          <a:chOff x="0" y="0"/>
+          <a:chExt cx="0" cy="0"/>
+        </a:xfrm>
+      </p:grpSpPr>
+      <p:sp>
+        <p:nvSpPr>
+          <p:cNvPr id="18" name="CuadroTexto 17">
+            <a:extLst>
+              <a:ext uri="{FF2B5EF4-FFF2-40B4-BE49-F238E27FC236}">
+                <a16:creationId xmlns:a16="http://schemas.microsoft.com/office/drawing/2014/main" id="{11278738-27E0-4BA8-98D8-D4A30E24E3A8}"/>
+              </a:ext>
+            </a:extLst>
+          </p:cNvPr>
+          <p:cNvSpPr txBox="1"/>
+          <p:nvPr/>
+        </p:nvSpPr>
+        <p:spPr>
+          <a:xfrm>
+            <a:off x="863586" y="1628800"/>
+            <a:ext cx="7416824" cy="3139321"/>
+          </a:xfrm>
+          <a:prstGeom prst="rect">
+            <a:avLst/>
+          </a:prstGeom>
+          <a:noFill/>
+        </p:spPr>
+        <p:txBody>
+          <a:bodyPr wrap="square">
+            <a:spAutoFit/>
+          </a:bodyPr>
+          <a:lstStyle/>
+          <a:p>
+            <a:pPr algn="l">
+              <a:lnSpc>
+                <a:spcPct val="150000"/>
+              </a:lnSpc>
+            </a:pPr>
+            <a:r>
+              <a:rPr lang="es-ES" b="0" i="0" dirty="0">
+                <a:solidFill>
+                  <a:srgbClr val="000000"/>
+                </a:solidFill>
+                <a:effectLst/>
+                <a:latin typeface="Segoe UI" panose="020B0502040204020203" pitchFamily="34" charset="0"/>
+              </a:rPr>
+              <a:t>Indica en qué orden se evaluarán cada una de la siguientes expresiones:</a:t>
+            </a:r>
+          </a:p>
+          <a:p>
+            <a:pPr marL="285750" indent="-285750" algn="l">
+              <a:lnSpc>
+                <a:spcPct val="150000"/>
+              </a:lnSpc>
+              <a:buFont typeface="Arial" panose="020B0604020202020204" pitchFamily="34" charset="0"/>
+              <a:buChar char="•"/>
+            </a:pPr>
+            <a:r>
+              <a:rPr lang="es-ES" b="0" i="0" dirty="0">
+                <a:solidFill>
+                  <a:srgbClr val="000000"/>
+                </a:solidFill>
+                <a:effectLst/>
+                <a:latin typeface="Segoe UI" panose="020B0502040204020203" pitchFamily="34" charset="0"/>
+              </a:rPr>
+              <a:t>5 + 9 / 2 + 1</a:t>
+            </a:r>
+          </a:p>
+          <a:p>
+            <a:pPr marL="285750" indent="-285750" algn="l">
+              <a:lnSpc>
+                <a:spcPct val="150000"/>
+              </a:lnSpc>
+              <a:buFont typeface="Arial" panose="020B0604020202020204" pitchFamily="34" charset="0"/>
+              <a:buChar char="•"/>
+            </a:pPr>
+            <a:r>
+              <a:rPr lang="es-ES" b="0" i="0" dirty="0">
+                <a:solidFill>
+                  <a:srgbClr val="000000"/>
+                </a:solidFill>
+                <a:effectLst/>
+                <a:latin typeface="Segoe UI" panose="020B0502040204020203" pitchFamily="34" charset="0"/>
+              </a:rPr>
+              <a:t>10 / 4 + 7 % 4</a:t>
+            </a:r>
+          </a:p>
+          <a:p>
+            <a:pPr marL="285750" indent="-285750" algn="l">
+              <a:lnSpc>
+                <a:spcPct val="150000"/>
+              </a:lnSpc>
+              <a:buFont typeface="Arial" panose="020B0604020202020204" pitchFamily="34" charset="0"/>
+              <a:buChar char="•"/>
+            </a:pPr>
+            <a:r>
+              <a:rPr lang="es-ES" b="0" i="0" dirty="0">
+                <a:solidFill>
+                  <a:srgbClr val="000000"/>
+                </a:solidFill>
+                <a:effectLst/>
+                <a:latin typeface="Segoe UI" panose="020B0502040204020203" pitchFamily="34" charset="0"/>
+              </a:rPr>
+              <a:t>3 + 13 // 3</a:t>
+            </a:r>
+          </a:p>
+          <a:p>
+            <a:pPr marL="285750" indent="-285750" algn="l">
+              <a:lnSpc>
+                <a:spcPct val="150000"/>
+              </a:lnSpc>
+              <a:buFont typeface="Arial" panose="020B0604020202020204" pitchFamily="34" charset="0"/>
+              <a:buChar char="•"/>
+            </a:pPr>
+            <a:r>
+              <a:rPr lang="es-ES" b="0" i="0" dirty="0">
+                <a:solidFill>
+                  <a:srgbClr val="000000"/>
+                </a:solidFill>
+                <a:effectLst/>
+                <a:latin typeface="Segoe UI" panose="020B0502040204020203" pitchFamily="34" charset="0"/>
+              </a:rPr>
+              <a:t>1 + 2 ** 3</a:t>
+            </a:r>
+          </a:p>
+          <a:p>
+            <a:pPr marL="285750" indent="-285750" algn="l">
+              <a:lnSpc>
+                <a:spcPct val="150000"/>
+              </a:lnSpc>
+              <a:buFont typeface="Arial" panose="020B0604020202020204" pitchFamily="34" charset="0"/>
+              <a:buChar char="•"/>
+            </a:pPr>
+            <a:r>
+              <a:rPr lang="es-ES" b="0" i="0" dirty="0">
+                <a:solidFill>
+                  <a:srgbClr val="000000"/>
+                </a:solidFill>
+                <a:effectLst/>
+                <a:latin typeface="Segoe UI" panose="020B0502040204020203" pitchFamily="34" charset="0"/>
+              </a:rPr>
+              <a:t>(5 % 2 + 6 - 5 / 2) - (3 % 8)</a:t>
+            </a:r>
+          </a:p>
+          <a:p>
+            <a:br>
+              <a:rPr lang="es-ES" dirty="0"/>
+            </a:br>
+            <a:endParaRPr lang="es-MX" dirty="0"/>
+          </a:p>
+        </p:txBody>
+      </p:sp>
+      <p:sp>
+        <p:nvSpPr>
+          <p:cNvPr id="19" name="object 2">
+            <a:extLst>
+              <a:ext uri="{FF2B5EF4-FFF2-40B4-BE49-F238E27FC236}">
+                <a16:creationId xmlns:a16="http://schemas.microsoft.com/office/drawing/2014/main" id="{32345F0E-F28C-4A12-B27D-E609A340F4DB}"/>
+              </a:ext>
+            </a:extLst>
+          </p:cNvPr>
+          <p:cNvSpPr txBox="1"/>
+          <p:nvPr/>
+        </p:nvSpPr>
+        <p:spPr>
+          <a:xfrm>
+            <a:off x="201641" y="181770"/>
+            <a:ext cx="8740715" cy="1185415"/>
+          </a:xfrm>
+          <a:prstGeom prst="rect">
+            <a:avLst/>
+          </a:prstGeom>
+        </p:spPr>
+        <p:txBody>
+          <a:bodyPr vert="horz" wrap="square" lIns="0" tIns="0" rIns="0" bIns="0" rtlCol="0">
+            <a:noAutofit/>
+          </a:bodyPr>
+          <a:lstStyle/>
+          <a:p>
+            <a:pPr marL="12700" algn="ctr"/>
+            <a:r>
+              <a:rPr lang="es-MX" sz="4000" b="1" spc="-20" dirty="0">
+                <a:solidFill>
+                  <a:srgbClr val="002060"/>
+                </a:solidFill>
+                <a:latin typeface="Calibri"/>
+                <a:cs typeface="Calibri"/>
+              </a:rPr>
+              <a:t>Prioridad de operadores </a:t>
+            </a:r>
+            <a:endParaRPr lang="es-MX" sz="4000" b="1" spc="-20" dirty="0">
+              <a:solidFill>
+                <a:schemeClr val="accent6">
+                  <a:lumMod val="75000"/>
+                </a:schemeClr>
+              </a:solidFill>
+              <a:latin typeface="Calibri"/>
+              <a:cs typeface="Calibri"/>
+            </a:endParaRPr>
+          </a:p>
+          <a:p>
+            <a:pPr marL="12700" algn="ctr"/>
+            <a:r>
+              <a:rPr lang="es-MX" sz="2400" b="1" spc="-20" dirty="0">
+                <a:solidFill>
+                  <a:schemeClr val="accent6">
+                    <a:lumMod val="75000"/>
+                  </a:schemeClr>
+                </a:solidFill>
+                <a:latin typeface="Calibri"/>
+                <a:cs typeface="Calibri"/>
+              </a:rPr>
+              <a:t>Aritméticos, de comparación y booleanos</a:t>
+            </a:r>
+            <a:endParaRPr sz="2400" b="1" dirty="0">
+              <a:solidFill>
+                <a:schemeClr val="accent6">
+                  <a:lumMod val="75000"/>
+                </a:schemeClr>
+              </a:solidFill>
+              <a:latin typeface="Calibri"/>
+              <a:cs typeface="Calibri"/>
+            </a:endParaRPr>
+          </a:p>
+        </p:txBody>
+      </p:sp>
+    </p:spTree>
+    <p:extLst>
+      <p:ext uri="{BB962C8B-B14F-4D97-AF65-F5344CB8AC3E}">
+        <p14:creationId xmlns:p14="http://schemas.microsoft.com/office/powerpoint/2010/main" val="3635657562"/>
+      </p:ext>
+    </p:extLst>
+  </p:cSld>
+  <p:clrMapOvr>
+    <a:masterClrMapping/>
+  </p:clrMapOvr>
+</p:sld>
+</file>
+
+<file path=ppt/slides/slide19.xml><?xml version="1.0" encoding="utf-8"?>
 <p:sld xmlns:a="http://schemas.openxmlformats.org/drawingml/2006/main" xmlns:r="http://schemas.openxmlformats.org/officeDocument/2006/relationships" xmlns:p="http://schemas.openxmlformats.org/presentationml/2006/main">
   <p:cSld>
     <p:spTree>

--- a/CalendarioAgo2022/presentaciones/2_Jerarquia.pptx
+++ b/CalendarioAgo2022/presentaciones/2_Jerarquia.pptx
@@ -5,7 +5,7 @@
     <p:sldMasterId id="2147483648" r:id="rId1"/>
   </p:sldMasterIdLst>
   <p:notesMasterIdLst>
-    <p:notesMasterId r:id="rId21"/>
+    <p:notesMasterId r:id="rId20"/>
   </p:notesMasterIdLst>
   <p:sldIdLst>
     <p:sldId id="257" r:id="rId2"/>
@@ -25,8 +25,7 @@
     <p:sldId id="269" r:id="rId16"/>
     <p:sldId id="358" r:id="rId17"/>
     <p:sldId id="359" r:id="rId18"/>
-    <p:sldId id="360" r:id="rId19"/>
-    <p:sldId id="282" r:id="rId20"/>
+    <p:sldId id="282" r:id="rId19"/>
   </p:sldIdLst>
   <p:sldSz cx="9144000" cy="6858000" type="screen4x3"/>
   <p:notesSz cx="6858000" cy="9144000"/>
@@ -226,7 +225,7 @@
           <a:p>
             <a:fld id="{2D445F07-8756-451B-A938-0248325FC7BB}" type="datetimeFigureOut">
               <a:rPr lang="es-MX" smtClean="0"/>
-              <a:t>07/08/2022</a:t>
+              <a:t>08/08/2022</a:t>
             </a:fld>
             <a:endParaRPr lang="es-MX" dirty="0"/>
           </a:p>
@@ -1431,7 +1430,7 @@
           <a:p>
             <a:fld id="{5E75A0DC-66C6-4CEC-A5EB-F8C97CEC3796}" type="datetimeFigureOut">
               <a:rPr lang="es-MX" smtClean="0"/>
-              <a:t>07/08/2022</a:t>
+              <a:t>08/08/2022</a:t>
             </a:fld>
             <a:endParaRPr lang="es-MX" dirty="0"/>
           </a:p>
@@ -1601,7 +1600,7 @@
           <a:p>
             <a:fld id="{5E75A0DC-66C6-4CEC-A5EB-F8C97CEC3796}" type="datetimeFigureOut">
               <a:rPr lang="es-MX" smtClean="0"/>
-              <a:t>07/08/2022</a:t>
+              <a:t>08/08/2022</a:t>
             </a:fld>
             <a:endParaRPr lang="es-MX" dirty="0"/>
           </a:p>
@@ -1781,7 +1780,7 @@
           <a:p>
             <a:fld id="{5E75A0DC-66C6-4CEC-A5EB-F8C97CEC3796}" type="datetimeFigureOut">
               <a:rPr lang="es-MX" smtClean="0"/>
-              <a:t>07/08/2022</a:t>
+              <a:t>08/08/2022</a:t>
             </a:fld>
             <a:endParaRPr lang="es-MX" dirty="0"/>
           </a:p>
@@ -1934,7 +1933,7 @@
           <a:p>
             <a:fld id="{1D8BD707-D9CF-40AE-B4C6-C98DA3205C09}" type="datetimeFigureOut">
               <a:rPr lang="en-US" smtClean="0"/>
-              <a:t>8/7/2022</a:t>
+              <a:t>8/8/2022</a:t>
             </a:fld>
             <a:endParaRPr lang="en-US"/>
           </a:p>
@@ -2058,7 +2057,7 @@
           <a:p>
             <a:fld id="{1D8BD707-D9CF-40AE-B4C6-C98DA3205C09}" type="datetimeFigureOut">
               <a:rPr lang="en-US" smtClean="0"/>
-              <a:t>8/7/2022</a:t>
+              <a:t>8/8/2022</a:t>
             </a:fld>
             <a:endParaRPr lang="en-US" dirty="0"/>
           </a:p>
@@ -2218,7 +2217,7 @@
           <a:p>
             <a:fld id="{5E75A0DC-66C6-4CEC-A5EB-F8C97CEC3796}" type="datetimeFigureOut">
               <a:rPr lang="es-MX" smtClean="0"/>
-              <a:t>07/08/2022</a:t>
+              <a:t>08/08/2022</a:t>
             </a:fld>
             <a:endParaRPr lang="es-MX" dirty="0"/>
           </a:p>
@@ -2464,7 +2463,7 @@
           <a:p>
             <a:fld id="{5E75A0DC-66C6-4CEC-A5EB-F8C97CEC3796}" type="datetimeFigureOut">
               <a:rPr lang="es-MX" smtClean="0"/>
-              <a:t>07/08/2022</a:t>
+              <a:t>08/08/2022</a:t>
             </a:fld>
             <a:endParaRPr lang="es-MX" dirty="0"/>
           </a:p>
@@ -2752,7 +2751,7 @@
           <a:p>
             <a:fld id="{5E75A0DC-66C6-4CEC-A5EB-F8C97CEC3796}" type="datetimeFigureOut">
               <a:rPr lang="es-MX" smtClean="0"/>
-              <a:t>07/08/2022</a:t>
+              <a:t>08/08/2022</a:t>
             </a:fld>
             <a:endParaRPr lang="es-MX" dirty="0"/>
           </a:p>
@@ -3174,7 +3173,7 @@
           <a:p>
             <a:fld id="{5E75A0DC-66C6-4CEC-A5EB-F8C97CEC3796}" type="datetimeFigureOut">
               <a:rPr lang="es-MX" smtClean="0"/>
-              <a:t>07/08/2022</a:t>
+              <a:t>08/08/2022</a:t>
             </a:fld>
             <a:endParaRPr lang="es-MX" dirty="0"/>
           </a:p>
@@ -3292,7 +3291,7 @@
           <a:p>
             <a:fld id="{5E75A0DC-66C6-4CEC-A5EB-F8C97CEC3796}" type="datetimeFigureOut">
               <a:rPr lang="es-MX" smtClean="0"/>
-              <a:t>07/08/2022</a:t>
+              <a:t>08/08/2022</a:t>
             </a:fld>
             <a:endParaRPr lang="es-MX" dirty="0"/>
           </a:p>
@@ -3387,7 +3386,7 @@
           <a:p>
             <a:fld id="{5E75A0DC-66C6-4CEC-A5EB-F8C97CEC3796}" type="datetimeFigureOut">
               <a:rPr lang="es-MX" smtClean="0"/>
-              <a:t>07/08/2022</a:t>
+              <a:t>08/08/2022</a:t>
             </a:fld>
             <a:endParaRPr lang="es-MX" dirty="0"/>
           </a:p>
@@ -3664,7 +3663,7 @@
           <a:p>
             <a:fld id="{5E75A0DC-66C6-4CEC-A5EB-F8C97CEC3796}" type="datetimeFigureOut">
               <a:rPr lang="es-MX" smtClean="0"/>
-              <a:t>07/08/2022</a:t>
+              <a:t>08/08/2022</a:t>
             </a:fld>
             <a:endParaRPr lang="es-MX" dirty="0"/>
           </a:p>
@@ -3917,7 +3916,7 @@
           <a:p>
             <a:fld id="{5E75A0DC-66C6-4CEC-A5EB-F8C97CEC3796}" type="datetimeFigureOut">
               <a:rPr lang="es-MX" smtClean="0"/>
-              <a:t>07/08/2022</a:t>
+              <a:t>08/08/2022</a:t>
             </a:fld>
             <a:endParaRPr lang="es-MX" dirty="0"/>
           </a:p>
@@ -4130,7 +4129,7 @@
           <a:p>
             <a:fld id="{5E75A0DC-66C6-4CEC-A5EB-F8C97CEC3796}" type="datetimeFigureOut">
               <a:rPr lang="es-MX" smtClean="0"/>
-              <a:t>07/08/2022</a:t>
+              <a:t>08/08/2022</a:t>
             </a:fld>
             <a:endParaRPr lang="es-MX" dirty="0"/>
           </a:p>
@@ -10283,257 +10282,6 @@
 </file>
 
 <file path=ppt/slides/slide18.xml><?xml version="1.0" encoding="utf-8"?>
-<p:sld xmlns:a="http://schemas.openxmlformats.org/drawingml/2006/main" xmlns:r="http://schemas.openxmlformats.org/officeDocument/2006/relationships" xmlns:p="http://schemas.openxmlformats.org/presentationml/2006/main">
-  <p:cSld>
-    <p:spTree>
-      <p:nvGrpSpPr>
-        <p:cNvPr id="1" name=""/>
-        <p:cNvGrpSpPr/>
-        <p:nvPr/>
-      </p:nvGrpSpPr>
-      <p:grpSpPr>
-        <a:xfrm>
-          <a:off x="0" y="0"/>
-          <a:ext cx="0" cy="0"/>
-          <a:chOff x="0" y="0"/>
-          <a:chExt cx="0" cy="0"/>
-        </a:xfrm>
-      </p:grpSpPr>
-      <p:sp>
-        <p:nvSpPr>
-          <p:cNvPr id="18" name="CuadroTexto 17">
-            <a:extLst>
-              <a:ext uri="{FF2B5EF4-FFF2-40B4-BE49-F238E27FC236}">
-                <a16:creationId xmlns:a16="http://schemas.microsoft.com/office/drawing/2014/main" id="{11278738-27E0-4BA8-98D8-D4A30E24E3A8}"/>
-              </a:ext>
-            </a:extLst>
-          </p:cNvPr>
-          <p:cNvSpPr txBox="1"/>
-          <p:nvPr/>
-        </p:nvSpPr>
-        <p:spPr>
-          <a:xfrm>
-            <a:off x="863586" y="1628800"/>
-            <a:ext cx="7416824" cy="3139321"/>
-          </a:xfrm>
-          <a:prstGeom prst="rect">
-            <a:avLst/>
-          </a:prstGeom>
-          <a:noFill/>
-        </p:spPr>
-        <p:txBody>
-          <a:bodyPr wrap="square">
-            <a:spAutoFit/>
-          </a:bodyPr>
-          <a:lstStyle/>
-          <a:p>
-            <a:pPr algn="l">
-              <a:lnSpc>
-                <a:spcPct val="150000"/>
-              </a:lnSpc>
-            </a:pPr>
-            <a:r>
-              <a:rPr lang="es-ES" b="0" i="0" dirty="0">
-                <a:solidFill>
-                  <a:srgbClr val="000000"/>
-                </a:solidFill>
-                <a:effectLst/>
-                <a:latin typeface="Segoe UI" panose="020B0502040204020203" pitchFamily="34" charset="0"/>
-              </a:rPr>
-              <a:t>Indica en qué orden se evaluarán cada una de la siguientes expresiones:</a:t>
-            </a:r>
-          </a:p>
-          <a:p>
-            <a:pPr marL="285750" indent="-285750" algn="l">
-              <a:lnSpc>
-                <a:spcPct val="150000"/>
-              </a:lnSpc>
-              <a:buFont typeface="Arial" panose="020B0604020202020204" pitchFamily="34" charset="0"/>
-              <a:buChar char="•"/>
-            </a:pPr>
-            <a:r>
-              <a:rPr lang="es-ES" b="0" i="0" dirty="0">
-                <a:solidFill>
-                  <a:srgbClr val="000000"/>
-                </a:solidFill>
-                <a:effectLst/>
-                <a:latin typeface="Segoe UI" panose="020B0502040204020203" pitchFamily="34" charset="0"/>
-              </a:rPr>
-              <a:t>5 + 9 / 2 + 1</a:t>
-            </a:r>
-          </a:p>
-          <a:p>
-            <a:pPr marL="285750" indent="-285750" algn="l">
-              <a:lnSpc>
-                <a:spcPct val="150000"/>
-              </a:lnSpc>
-              <a:buFont typeface="Arial" panose="020B0604020202020204" pitchFamily="34" charset="0"/>
-              <a:buChar char="•"/>
-            </a:pPr>
-            <a:r>
-              <a:rPr lang="es-ES" b="0" i="0" dirty="0">
-                <a:solidFill>
-                  <a:srgbClr val="000000"/>
-                </a:solidFill>
-                <a:effectLst/>
-                <a:latin typeface="Segoe UI" panose="020B0502040204020203" pitchFamily="34" charset="0"/>
-              </a:rPr>
-              <a:t>10 / 4 + 7 % 4</a:t>
-            </a:r>
-          </a:p>
-          <a:p>
-            <a:pPr marL="285750" indent="-285750" algn="l">
-              <a:lnSpc>
-                <a:spcPct val="150000"/>
-              </a:lnSpc>
-              <a:buFont typeface="Arial" panose="020B0604020202020204" pitchFamily="34" charset="0"/>
-              <a:buChar char="•"/>
-            </a:pPr>
-            <a:r>
-              <a:rPr lang="es-ES" b="0" i="0" dirty="0">
-                <a:solidFill>
-                  <a:srgbClr val="000000"/>
-                </a:solidFill>
-                <a:effectLst/>
-                <a:latin typeface="Segoe UI" panose="020B0502040204020203" pitchFamily="34" charset="0"/>
-              </a:rPr>
-              <a:t>3 + 13 // 3</a:t>
-            </a:r>
-          </a:p>
-          <a:p>
-            <a:pPr marL="285750" indent="-285750" algn="l">
-              <a:lnSpc>
-                <a:spcPct val="150000"/>
-              </a:lnSpc>
-              <a:buFont typeface="Arial" panose="020B0604020202020204" pitchFamily="34" charset="0"/>
-              <a:buChar char="•"/>
-            </a:pPr>
-            <a:r>
-              <a:rPr lang="es-ES" b="0" i="0" dirty="0">
-                <a:solidFill>
-                  <a:srgbClr val="000000"/>
-                </a:solidFill>
-                <a:effectLst/>
-                <a:latin typeface="Segoe UI" panose="020B0502040204020203" pitchFamily="34" charset="0"/>
-              </a:rPr>
-              <a:t>1 + 2 ** 3</a:t>
-            </a:r>
-          </a:p>
-          <a:p>
-            <a:pPr marL="285750" indent="-285750" algn="l">
-              <a:lnSpc>
-                <a:spcPct val="150000"/>
-              </a:lnSpc>
-              <a:buFont typeface="Arial" panose="020B0604020202020204" pitchFamily="34" charset="0"/>
-              <a:buChar char="•"/>
-            </a:pPr>
-            <a:r>
-              <a:rPr lang="es-ES" b="0" i="0" dirty="0">
-                <a:solidFill>
-                  <a:srgbClr val="000000"/>
-                </a:solidFill>
-                <a:effectLst/>
-                <a:latin typeface="Segoe UI" panose="020B0502040204020203" pitchFamily="34" charset="0"/>
-              </a:rPr>
-              <a:t>(5 % 2 + 6 - 5 / 2) - (3 % 8)</a:t>
-            </a:r>
-          </a:p>
-          <a:p>
-            <a:br>
-              <a:rPr lang="es-ES" dirty="0"/>
-            </a:br>
-            <a:endParaRPr lang="es-MX" dirty="0"/>
-          </a:p>
-        </p:txBody>
-      </p:sp>
-      <p:sp>
-        <p:nvSpPr>
-          <p:cNvPr id="19" name="object 2">
-            <a:extLst>
-              <a:ext uri="{FF2B5EF4-FFF2-40B4-BE49-F238E27FC236}">
-                <a16:creationId xmlns:a16="http://schemas.microsoft.com/office/drawing/2014/main" id="{32345F0E-F28C-4A12-B27D-E609A340F4DB}"/>
-              </a:ext>
-            </a:extLst>
-          </p:cNvPr>
-          <p:cNvSpPr txBox="1"/>
-          <p:nvPr/>
-        </p:nvSpPr>
-        <p:spPr>
-          <a:xfrm>
-            <a:off x="201641" y="181770"/>
-            <a:ext cx="8740715" cy="1185415"/>
-          </a:xfrm>
-          <a:prstGeom prst="rect">
-            <a:avLst/>
-          </a:prstGeom>
-        </p:spPr>
-        <p:txBody>
-          <a:bodyPr vert="horz" wrap="square" lIns="0" tIns="0" rIns="0" bIns="0" rtlCol="0">
-            <a:noAutofit/>
-          </a:bodyPr>
-          <a:lstStyle/>
-          <a:p>
-            <a:pPr marL="12700" algn="ctr"/>
-            <a:r>
-              <a:rPr lang="es-MX" sz="4000" b="1" spc="-20" dirty="0">
-                <a:solidFill>
-                  <a:srgbClr val="002060"/>
-                </a:solidFill>
-                <a:latin typeface="Calibri"/>
-                <a:cs typeface="Calibri"/>
-              </a:rPr>
-              <a:t>Prioridad de operadores </a:t>
-            </a:r>
-            <a:endParaRPr lang="es-MX" sz="4000" b="1" spc="-20" dirty="0">
-              <a:solidFill>
-                <a:schemeClr val="accent6">
-                  <a:lumMod val="75000"/>
-                </a:schemeClr>
-              </a:solidFill>
-              <a:latin typeface="Calibri"/>
-              <a:cs typeface="Calibri"/>
-            </a:endParaRPr>
-          </a:p>
-          <a:p>
-            <a:pPr marL="12700" algn="ctr"/>
-            <a:r>
-              <a:rPr lang="es-MX" sz="2400" b="1" spc="-20" dirty="0">
-                <a:solidFill>
-                  <a:schemeClr val="accent6">
-                    <a:lumMod val="75000"/>
-                  </a:schemeClr>
-                </a:solidFill>
-                <a:latin typeface="Calibri"/>
-                <a:cs typeface="Calibri"/>
-              </a:rPr>
-              <a:t>Aritméticos, de comparación y booleanos</a:t>
-            </a:r>
-            <a:endParaRPr sz="2400" b="1" dirty="0">
-              <a:solidFill>
-                <a:schemeClr val="accent6">
-                  <a:lumMod val="75000"/>
-                </a:schemeClr>
-              </a:solidFill>
-              <a:latin typeface="Calibri"/>
-              <a:cs typeface="Calibri"/>
-            </a:endParaRPr>
-          </a:p>
-        </p:txBody>
-      </p:sp>
-    </p:spTree>
-    <p:extLst>
-      <p:ext uri="{BB962C8B-B14F-4D97-AF65-F5344CB8AC3E}">
-        <p14:creationId xmlns:p14="http://schemas.microsoft.com/office/powerpoint/2010/main" val="3635657562"/>
-      </p:ext>
-    </p:extLst>
-  </p:cSld>
-  <p:clrMapOvr>
-    <a:masterClrMapping/>
-  </p:clrMapOvr>
-</p:sld>
-</file>
-
-<file path=ppt/slides/slide19.xml><?xml version="1.0" encoding="utf-8"?>
 <p:sld xmlns:a="http://schemas.openxmlformats.org/drawingml/2006/main" xmlns:r="http://schemas.openxmlformats.org/officeDocument/2006/relationships" xmlns:p="http://schemas.openxmlformats.org/presentationml/2006/main">
   <p:cSld>
     <p:spTree>
